--- a/docs/Math Solvers.pptx
+++ b/docs/Math Solvers.pptx
@@ -267,7 +267,7 @@
           <a:p>
             <a:fld id="{A0CB4A69-CDFD-438F-892F-50E28215116C}" type="datetimeFigureOut">
               <a:rPr lang="bg-BG" smtClean="0"/>
-              <a:t>25.3.2023 г.</a:t>
+              <a:t>26.3.2023 г.</a:t>
             </a:fld>
             <a:endParaRPr lang="bg-BG"/>
           </a:p>
@@ -467,7 +467,7 @@
           <a:p>
             <a:fld id="{A0CB4A69-CDFD-438F-892F-50E28215116C}" type="datetimeFigureOut">
               <a:rPr lang="bg-BG" smtClean="0"/>
-              <a:t>25.3.2023 г.</a:t>
+              <a:t>26.3.2023 г.</a:t>
             </a:fld>
             <a:endParaRPr lang="bg-BG"/>
           </a:p>
@@ -677,7 +677,7 @@
           <a:p>
             <a:fld id="{A0CB4A69-CDFD-438F-892F-50E28215116C}" type="datetimeFigureOut">
               <a:rPr lang="bg-BG" smtClean="0"/>
-              <a:t>25.3.2023 г.</a:t>
+              <a:t>26.3.2023 г.</a:t>
             </a:fld>
             <a:endParaRPr lang="bg-BG"/>
           </a:p>
@@ -877,7 +877,7 @@
           <a:p>
             <a:fld id="{A0CB4A69-CDFD-438F-892F-50E28215116C}" type="datetimeFigureOut">
               <a:rPr lang="bg-BG" smtClean="0"/>
-              <a:t>25.3.2023 г.</a:t>
+              <a:t>26.3.2023 г.</a:t>
             </a:fld>
             <a:endParaRPr lang="bg-BG"/>
           </a:p>
@@ -1153,7 +1153,7 @@
           <a:p>
             <a:fld id="{A0CB4A69-CDFD-438F-892F-50E28215116C}" type="datetimeFigureOut">
               <a:rPr lang="bg-BG" smtClean="0"/>
-              <a:t>25.3.2023 г.</a:t>
+              <a:t>26.3.2023 г.</a:t>
             </a:fld>
             <a:endParaRPr lang="bg-BG"/>
           </a:p>
@@ -1421,7 +1421,7 @@
           <a:p>
             <a:fld id="{A0CB4A69-CDFD-438F-892F-50E28215116C}" type="datetimeFigureOut">
               <a:rPr lang="bg-BG" smtClean="0"/>
-              <a:t>25.3.2023 г.</a:t>
+              <a:t>26.3.2023 г.</a:t>
             </a:fld>
             <a:endParaRPr lang="bg-BG"/>
           </a:p>
@@ -1836,7 +1836,7 @@
           <a:p>
             <a:fld id="{A0CB4A69-CDFD-438F-892F-50E28215116C}" type="datetimeFigureOut">
               <a:rPr lang="bg-BG" smtClean="0"/>
-              <a:t>25.3.2023 г.</a:t>
+              <a:t>26.3.2023 г.</a:t>
             </a:fld>
             <a:endParaRPr lang="bg-BG"/>
           </a:p>
@@ -1978,7 +1978,7 @@
           <a:p>
             <a:fld id="{A0CB4A69-CDFD-438F-892F-50E28215116C}" type="datetimeFigureOut">
               <a:rPr lang="bg-BG" smtClean="0"/>
-              <a:t>25.3.2023 г.</a:t>
+              <a:t>26.3.2023 г.</a:t>
             </a:fld>
             <a:endParaRPr lang="bg-BG"/>
           </a:p>
@@ -2091,7 +2091,7 @@
           <a:p>
             <a:fld id="{A0CB4A69-CDFD-438F-892F-50E28215116C}" type="datetimeFigureOut">
               <a:rPr lang="bg-BG" smtClean="0"/>
-              <a:t>25.3.2023 г.</a:t>
+              <a:t>26.3.2023 г.</a:t>
             </a:fld>
             <a:endParaRPr lang="bg-BG"/>
           </a:p>
@@ -2404,7 +2404,7 @@
           <a:p>
             <a:fld id="{A0CB4A69-CDFD-438F-892F-50E28215116C}" type="datetimeFigureOut">
               <a:rPr lang="bg-BG" smtClean="0"/>
-              <a:t>25.3.2023 г.</a:t>
+              <a:t>26.3.2023 г.</a:t>
             </a:fld>
             <a:endParaRPr lang="bg-BG"/>
           </a:p>
@@ -2693,7 +2693,7 @@
           <a:p>
             <a:fld id="{A0CB4A69-CDFD-438F-892F-50E28215116C}" type="datetimeFigureOut">
               <a:rPr lang="bg-BG" smtClean="0"/>
-              <a:t>25.3.2023 г.</a:t>
+              <a:t>26.3.2023 г.</a:t>
             </a:fld>
             <a:endParaRPr lang="bg-BG"/>
           </a:p>
@@ -2936,7 +2936,7 @@
           <a:p>
             <a:fld id="{A0CB4A69-CDFD-438F-892F-50E28215116C}" type="datetimeFigureOut">
               <a:rPr lang="bg-BG" smtClean="0"/>
-              <a:t>25.3.2023 г.</a:t>
+              <a:t>26.3.2023 г.</a:t>
             </a:fld>
             <a:endParaRPr lang="bg-BG"/>
           </a:p>
@@ -3380,7 +3380,7 @@
           <a:lstStyle/>
           <a:p>
             <a:r>
-              <a:rPr lang="en-US" dirty="0" smtClean="0">
+              <a:rPr lang="en-US" dirty="0">
                 <a:latin typeface="Sylfaen" panose="010A0502050306030303" pitchFamily="18" charset="0"/>
                 <a:ea typeface="Yu Gothic Light" panose="020B0300000000000000" pitchFamily="34" charset="-128"/>
               </a:rPr>
@@ -3451,7 +3451,7 @@
           <a:p>
             <a:pPr algn="ctr"/>
             <a:r>
-              <a:rPr lang="en-US" dirty="0" smtClean="0">
+              <a:rPr lang="en-US" dirty="0">
                 <a:latin typeface="Sylfaen" panose="010A0502050306030303" pitchFamily="18" charset="0"/>
                 <a:ea typeface="Yu Gothic Light" panose="020B0300000000000000" pitchFamily="34" charset="-128"/>
               </a:rPr>
@@ -3524,14 +3524,11 @@
           <a:p>
             <a:pPr algn="ctr"/>
             <a:r>
-              <a:rPr lang="en-US" sz="2000" dirty="0" smtClean="0">
+              <a:rPr lang="en-US" sz="2000" dirty="0">
                 <a:ea typeface="Yu Gothic Light" panose="020B0300000000000000" pitchFamily="34" charset="-128"/>
               </a:rPr>
               <a:t>Ivan Tsvyatkov</a:t>
             </a:r>
-            <a:endParaRPr lang="en-US" sz="2000" dirty="0">
-              <a:ea typeface="Yu Gothic Light" panose="020B0300000000000000" pitchFamily="34" charset="-128"/>
-            </a:endParaRPr>
           </a:p>
           <a:p>
             <a:pPr algn="ctr"/>
@@ -3574,14 +3571,11 @@
           <a:p>
             <a:pPr algn="ctr"/>
             <a:r>
-              <a:rPr lang="en-US" sz="2000" dirty="0" smtClean="0">
+              <a:rPr lang="en-US" sz="2000" dirty="0">
                 <a:ea typeface="Yu Gothic Light" panose="020B0300000000000000" pitchFamily="34" charset="-128"/>
               </a:rPr>
               <a:t>Stiliyan Mishev</a:t>
             </a:r>
-            <a:endParaRPr lang="en-US" sz="2000" dirty="0">
-              <a:ea typeface="Yu Gothic Light" panose="020B0300000000000000" pitchFamily="34" charset="-128"/>
-            </a:endParaRPr>
           </a:p>
           <a:p>
             <a:pPr algn="ctr"/>
@@ -3618,16 +3612,15 @@
           <a:p>
             <a:pPr algn="ctr"/>
             <a:r>
-              <a:rPr lang="en-US" sz="2000" dirty="0" smtClean="0"/>
+              <a:rPr lang="en-US" sz="2000" dirty="0"/>
               <a:t>Dimitar Byandov</a:t>
             </a:r>
           </a:p>
           <a:p>
             <a:r>
-              <a:rPr lang="en-US" sz="2000" dirty="0" smtClean="0"/>
+              <a:rPr lang="en-US" sz="2000" dirty="0"/>
               <a:t>Frontend Developer &amp; Backend Developer</a:t>
             </a:r>
-            <a:endParaRPr lang="en-US" sz="2000" dirty="0"/>
           </a:p>
         </p:txBody>
       </p:sp>
@@ -3791,13 +3784,6 @@
   <p:clrMapOvr>
     <a:masterClrMapping/>
   </p:clrMapOvr>
-  <p:timing>
-    <p:tnLst>
-      <p:par>
-        <p:cTn id="1" dur="indefinite" restart="never" nodeType="tmRoot"/>
-      </p:par>
-    </p:tnLst>
-  </p:timing>
 </p:sld>
 </file>
 
@@ -3973,13 +3959,6 @@
   <p:clrMapOvr>
     <a:masterClrMapping/>
   </p:clrMapOvr>
-  <p:timing>
-    <p:tnLst>
-      <p:par>
-        <p:cTn id="1" dur="indefinite" restart="never" nodeType="tmRoot"/>
-      </p:par>
-    </p:tnLst>
-  </p:timing>
 </p:sld>
 </file>
 
@@ -4285,13 +4264,6 @@
   <p:clrMapOvr>
     <a:masterClrMapping/>
   </p:clrMapOvr>
-  <p:timing>
-    <p:tnLst>
-      <p:par>
-        <p:cTn id="1" dur="indefinite" restart="never" nodeType="tmRoot"/>
-      </p:par>
-    </p:tnLst>
-  </p:timing>
 </p:sld>
 </file>
 
@@ -4387,13 +4359,6 @@
   <p:clrMapOvr>
     <a:masterClrMapping/>
   </p:clrMapOvr>
-  <p:timing>
-    <p:tnLst>
-      <p:par>
-        <p:cTn id="1" dur="indefinite" restart="never" nodeType="tmRoot"/>
-      </p:par>
-    </p:tnLst>
-  </p:timing>
 </p:sld>
 </file>
 
@@ -4486,13 +4451,6 @@
   <p:clrMapOvr>
     <a:masterClrMapping/>
   </p:clrMapOvr>
-  <p:timing>
-    <p:tnLst>
-      <p:par>
-        <p:cTn id="1" dur="indefinite" restart="never" nodeType="tmRoot"/>
-      </p:par>
-    </p:tnLst>
-  </p:timing>
 </p:sld>
 </file>
 

--- a/docs/Math Solvers.pptx
+++ b/docs/Math Solvers.pptx
@@ -6,12 +6,11 @@
   </p:sldMasterIdLst>
   <p:sldIdLst>
     <p:sldId id="256" r:id="rId2"/>
-    <p:sldId id="257" r:id="rId3"/>
-    <p:sldId id="260" r:id="rId4"/>
-    <p:sldId id="258" r:id="rId5"/>
+    <p:sldId id="263" r:id="rId3"/>
+    <p:sldId id="257" r:id="rId4"/>
+    <p:sldId id="260" r:id="rId5"/>
     <p:sldId id="259" r:id="rId6"/>
     <p:sldId id="261" r:id="rId7"/>
-    <p:sldId id="262" r:id="rId8"/>
   </p:sldIdLst>
   <p:sldSz cx="12192000" cy="6858000"/>
   <p:notesSz cx="6858000" cy="9144000"/>
@@ -267,7 +266,7 @@
           <a:p>
             <a:fld id="{A0CB4A69-CDFD-438F-892F-50E28215116C}" type="datetimeFigureOut">
               <a:rPr lang="bg-BG" smtClean="0"/>
-              <a:t>26.3.2023 г.</a:t>
+              <a:t>27.3.2023 г.</a:t>
             </a:fld>
             <a:endParaRPr lang="bg-BG"/>
           </a:p>
@@ -467,7 +466,7 @@
           <a:p>
             <a:fld id="{A0CB4A69-CDFD-438F-892F-50E28215116C}" type="datetimeFigureOut">
               <a:rPr lang="bg-BG" smtClean="0"/>
-              <a:t>26.3.2023 г.</a:t>
+              <a:t>27.3.2023 г.</a:t>
             </a:fld>
             <a:endParaRPr lang="bg-BG"/>
           </a:p>
@@ -677,7 +676,7 @@
           <a:p>
             <a:fld id="{A0CB4A69-CDFD-438F-892F-50E28215116C}" type="datetimeFigureOut">
               <a:rPr lang="bg-BG" smtClean="0"/>
-              <a:t>26.3.2023 г.</a:t>
+              <a:t>27.3.2023 г.</a:t>
             </a:fld>
             <a:endParaRPr lang="bg-BG"/>
           </a:p>
@@ -877,7 +876,7 @@
           <a:p>
             <a:fld id="{A0CB4A69-CDFD-438F-892F-50E28215116C}" type="datetimeFigureOut">
               <a:rPr lang="bg-BG" smtClean="0"/>
-              <a:t>26.3.2023 г.</a:t>
+              <a:t>27.3.2023 г.</a:t>
             </a:fld>
             <a:endParaRPr lang="bg-BG"/>
           </a:p>
@@ -1153,7 +1152,7 @@
           <a:p>
             <a:fld id="{A0CB4A69-CDFD-438F-892F-50E28215116C}" type="datetimeFigureOut">
               <a:rPr lang="bg-BG" smtClean="0"/>
-              <a:t>26.3.2023 г.</a:t>
+              <a:t>27.3.2023 г.</a:t>
             </a:fld>
             <a:endParaRPr lang="bg-BG"/>
           </a:p>
@@ -1421,7 +1420,7 @@
           <a:p>
             <a:fld id="{A0CB4A69-CDFD-438F-892F-50E28215116C}" type="datetimeFigureOut">
               <a:rPr lang="bg-BG" smtClean="0"/>
-              <a:t>26.3.2023 г.</a:t>
+              <a:t>27.3.2023 г.</a:t>
             </a:fld>
             <a:endParaRPr lang="bg-BG"/>
           </a:p>
@@ -1836,7 +1835,7 @@
           <a:p>
             <a:fld id="{A0CB4A69-CDFD-438F-892F-50E28215116C}" type="datetimeFigureOut">
               <a:rPr lang="bg-BG" smtClean="0"/>
-              <a:t>26.3.2023 г.</a:t>
+              <a:t>27.3.2023 г.</a:t>
             </a:fld>
             <a:endParaRPr lang="bg-BG"/>
           </a:p>
@@ -1978,7 +1977,7 @@
           <a:p>
             <a:fld id="{A0CB4A69-CDFD-438F-892F-50E28215116C}" type="datetimeFigureOut">
               <a:rPr lang="bg-BG" smtClean="0"/>
-              <a:t>26.3.2023 г.</a:t>
+              <a:t>27.3.2023 г.</a:t>
             </a:fld>
             <a:endParaRPr lang="bg-BG"/>
           </a:p>
@@ -2091,7 +2090,7 @@
           <a:p>
             <a:fld id="{A0CB4A69-CDFD-438F-892F-50E28215116C}" type="datetimeFigureOut">
               <a:rPr lang="bg-BG" smtClean="0"/>
-              <a:t>26.3.2023 г.</a:t>
+              <a:t>27.3.2023 г.</a:t>
             </a:fld>
             <a:endParaRPr lang="bg-BG"/>
           </a:p>
@@ -2404,7 +2403,7 @@
           <a:p>
             <a:fld id="{A0CB4A69-CDFD-438F-892F-50E28215116C}" type="datetimeFigureOut">
               <a:rPr lang="bg-BG" smtClean="0"/>
-              <a:t>26.3.2023 г.</a:t>
+              <a:t>27.3.2023 г.</a:t>
             </a:fld>
             <a:endParaRPr lang="bg-BG"/>
           </a:p>
@@ -2693,7 +2692,7 @@
           <a:p>
             <a:fld id="{A0CB4A69-CDFD-438F-892F-50E28215116C}" type="datetimeFigureOut">
               <a:rPr lang="bg-BG" smtClean="0"/>
-              <a:t>26.3.2023 г.</a:t>
+              <a:t>27.3.2023 г.</a:t>
             </a:fld>
             <a:endParaRPr lang="bg-BG"/>
           </a:p>
@@ -2936,7 +2935,7 @@
           <a:p>
             <a:fld id="{A0CB4A69-CDFD-438F-892F-50E28215116C}" type="datetimeFigureOut">
               <a:rPr lang="bg-BG" smtClean="0"/>
-              <a:t>26.3.2023 г.</a:t>
+              <a:t>27.3.2023 г.</a:t>
             </a:fld>
             <a:endParaRPr lang="bg-BG"/>
           </a:p>
@@ -3339,6 +3338,20 @@
 <file path=ppt/slides/slide1.xml><?xml version="1.0" encoding="utf-8"?>
 <p:sld xmlns:a="http://schemas.openxmlformats.org/drawingml/2006/main" xmlns:r="http://schemas.openxmlformats.org/officeDocument/2006/relationships" xmlns:p="http://schemas.openxmlformats.org/presentationml/2006/main">
   <p:cSld>
+    <p:bg>
+      <p:bgPr>
+        <a:blipFill dpi="0" rotWithShape="1">
+          <a:blip r:embed="rId2">
+            <a:lum/>
+          </a:blip>
+          <a:srcRect/>
+          <a:stretch>
+            <a:fillRect/>
+          </a:stretch>
+        </a:blipFill>
+        <a:effectLst/>
+      </p:bgPr>
+    </p:bg>
     <p:spTree>
       <p:nvGrpSpPr>
         <p:cNvPr id="1" name=""/>
@@ -3353,46 +3366,42 @@
           <a:chExt cx="0" cy="0"/>
         </a:xfrm>
       </p:grpSpPr>
-      <p:sp>
-        <p:nvSpPr>
-          <p:cNvPr id="2" name="Title 1">
-            <a:extLst>
-              <a:ext uri="{FF2B5EF4-FFF2-40B4-BE49-F238E27FC236}">
-                <a16:creationId xmlns:a16="http://schemas.microsoft.com/office/drawing/2014/main" id="{782289A6-01CA-BF22-92D3-64EFBC5ACB7E}"/>
-              </a:ext>
-            </a:extLst>
-          </p:cNvPr>
-          <p:cNvSpPr>
-            <a:spLocks noGrp="1"/>
-          </p:cNvSpPr>
-          <p:nvPr>
-            <p:ph type="ctrTitle"/>
-          </p:nvPr>
-        </p:nvSpPr>
+      <p:pic>
+        <p:nvPicPr>
+          <p:cNvPr id="3" name="Picture 2">
+            <a:extLst>
+              <a:ext uri="{FF2B5EF4-FFF2-40B4-BE49-F238E27FC236}">
+                <a16:creationId xmlns:a16="http://schemas.microsoft.com/office/drawing/2014/main" id="{B157FCCE-F4DC-3509-7757-FB1A3AB016BB}"/>
+              </a:ext>
+            </a:extLst>
+          </p:cNvPr>
+          <p:cNvPicPr>
+            <a:picLocks noChangeAspect="1"/>
+          </p:cNvPicPr>
+          <p:nvPr/>
+        </p:nvPicPr>
+        <p:blipFill>
+          <a:blip r:embed="rId3">
+            <a:extLst>
+              <a:ext uri="{28A0092B-C50C-407E-A947-70E740481C1C}">
+                <a14:useLocalDpi xmlns:a14="http://schemas.microsoft.com/office/drawing/2010/main" val="0"/>
+              </a:ext>
+            </a:extLst>
+          </a:blip>
+          <a:stretch>
+            <a:fillRect/>
+          </a:stretch>
+        </p:blipFill>
         <p:spPr>
           <a:xfrm>
-            <a:off x="2221831" y="607218"/>
-            <a:ext cx="7748337" cy="1215942"/>
-          </a:xfrm>
-        </p:spPr>
-        <p:txBody>
-          <a:bodyPr/>
-          <a:lstStyle/>
-          <a:p>
-            <a:r>
-              <a:rPr lang="en-US" dirty="0">
-                <a:latin typeface="Sylfaen" panose="010A0502050306030303" pitchFamily="18" charset="0"/>
-                <a:ea typeface="Yu Gothic Light" panose="020B0300000000000000" pitchFamily="34" charset="-128"/>
-              </a:rPr>
-              <a:t>Math Solvers</a:t>
-            </a:r>
-            <a:endParaRPr lang="bg-BG" dirty="0">
-              <a:latin typeface="Sylfaen" panose="010A0502050306030303" pitchFamily="18" charset="0"/>
-              <a:ea typeface="Yu Gothic Light" panose="020B0300000000000000" pitchFamily="34" charset="-128"/>
-            </a:endParaRPr>
-          </a:p>
-        </p:txBody>
-      </p:sp>
+            <a:off x="1809750" y="3005137"/>
+            <a:ext cx="8572500" cy="847725"/>
+          </a:xfrm>
+          <a:prstGeom prst="rect">
+            <a:avLst/>
+          </a:prstGeom>
+        </p:spPr>
+      </p:pic>
     </p:spTree>
     <p:extLst>
       <p:ext uri="{BB962C8B-B14F-4D97-AF65-F5344CB8AC3E}">
@@ -3409,6 +3418,20 @@
 <file path=ppt/slides/slide2.xml><?xml version="1.0" encoding="utf-8"?>
 <p:sld xmlns:a="http://schemas.openxmlformats.org/drawingml/2006/main" xmlns:r="http://schemas.openxmlformats.org/officeDocument/2006/relationships" xmlns:p="http://schemas.openxmlformats.org/presentationml/2006/main">
   <p:cSld>
+    <p:bg>
+      <p:bgPr>
+        <a:blipFill dpi="0" rotWithShape="1">
+          <a:blip r:embed="rId2">
+            <a:lum/>
+          </a:blip>
+          <a:srcRect/>
+          <a:stretch>
+            <a:fillRect/>
+          </a:stretch>
+        </a:blipFill>
+        <a:effectLst/>
+      </p:bgPr>
+    </p:bg>
     <p:spTree>
       <p:nvGrpSpPr>
         <p:cNvPr id="1" name=""/>
@@ -3428,7 +3451,7 @@
           <p:cNvPr id="2" name="Title 1">
             <a:extLst>
               <a:ext uri="{FF2B5EF4-FFF2-40B4-BE49-F238E27FC236}">
-                <a16:creationId xmlns:a16="http://schemas.microsoft.com/office/drawing/2014/main" id="{6C28586A-885E-4CAA-18D3-4C106CB2E35A}"/>
+                <a16:creationId xmlns:a16="http://schemas.microsoft.com/office/drawing/2014/main" id="{FA0D428E-D79A-5FED-05AA-F8FB188A410D}"/>
               </a:ext>
             </a:extLst>
           </p:cNvPr>
@@ -3441,8 +3464,8 @@
         </p:nvSpPr>
         <p:spPr>
           <a:xfrm>
-            <a:off x="3780692" y="348818"/>
-            <a:ext cx="4070815" cy="1325563"/>
+            <a:off x="0" y="562716"/>
+            <a:ext cx="12192000" cy="1325563"/>
           </a:xfrm>
         </p:spPr>
         <p:txBody>
@@ -3451,25 +3474,25 @@
           <a:p>
             <a:pPr algn="ctr"/>
             <a:r>
-              <a:rPr lang="en-US" dirty="0">
-                <a:latin typeface="Sylfaen" panose="010A0502050306030303" pitchFamily="18" charset="0"/>
-                <a:ea typeface="Yu Gothic Light" panose="020B0300000000000000" pitchFamily="34" charset="-128"/>
+              <a:rPr lang="en-US" b="1" dirty="0">
+                <a:latin typeface="Aharoni" panose="020B0604020202020204" pitchFamily="2" charset="-79"/>
+                <a:cs typeface="Aharoni" panose="020B0604020202020204" pitchFamily="2" charset="-79"/>
               </a:rPr>
-              <a:t>OUR TEAM</a:t>
-            </a:r>
-            <a:endParaRPr lang="bg-BG" dirty="0">
-              <a:latin typeface="Sylfaen" panose="010A0502050306030303" pitchFamily="18" charset="0"/>
-              <a:ea typeface="Yu Gothic Light" panose="020B0300000000000000" pitchFamily="34" charset="-128"/>
+              <a:t>TABLE OF CONTENT</a:t>
+            </a:r>
+            <a:endParaRPr lang="en-GB" b="1" dirty="0">
+              <a:latin typeface="Aharoni" panose="020B0604020202020204" pitchFamily="2" charset="-79"/>
+              <a:cs typeface="Aharoni" panose="020B0604020202020204" pitchFamily="2" charset="-79"/>
             </a:endParaRPr>
           </a:p>
         </p:txBody>
       </p:sp>
       <p:pic>
         <p:nvPicPr>
-          <p:cNvPr id="4" name="Картина 8">
-            <a:extLst>
-              <a:ext uri="{FF2B5EF4-FFF2-40B4-BE49-F238E27FC236}">
-                <a16:creationId xmlns:a16="http://schemas.microsoft.com/office/drawing/2014/main" id="{FCD0ADC1-BE00-00C4-98F7-FEADC2C2DA0C}"/>
+          <p:cNvPr id="4" name="Picture 3" descr="Logo&#10;&#10;Description automatically generated with low confidence">
+            <a:extLst>
+              <a:ext uri="{FF2B5EF4-FFF2-40B4-BE49-F238E27FC236}">
+                <a16:creationId xmlns:a16="http://schemas.microsoft.com/office/drawing/2014/main" id="{74030F9F-8A9D-DC6D-F196-E5F1C37566C2}"/>
               </a:ext>
             </a:extLst>
           </p:cNvPr>
@@ -3479,169 +3502,57 @@
           <p:nvPr/>
         </p:nvPicPr>
         <p:blipFill>
-          <a:blip r:embed="rId2"/>
+          <a:blip r:embed="rId3">
+            <a:extLst>
+              <a:ext uri="{28A0092B-C50C-407E-A947-70E740481C1C}">
+                <a14:useLocalDpi xmlns:a14="http://schemas.microsoft.com/office/drawing/2010/main" val="0"/>
+              </a:ext>
+            </a:extLst>
+          </a:blip>
           <a:stretch>
             <a:fillRect/>
           </a:stretch>
         </p:blipFill>
         <p:spPr>
           <a:xfrm>
-            <a:off x="8730763" y="1674380"/>
-            <a:ext cx="2483324" cy="2309445"/>
+            <a:off x="667918" y="2894590"/>
+            <a:ext cx="3146699" cy="2950030"/>
           </a:xfrm>
           <a:prstGeom prst="rect">
             <a:avLst/>
           </a:prstGeom>
         </p:spPr>
       </p:pic>
-      <p:sp>
-        <p:nvSpPr>
-          <p:cNvPr id="8" name="Текстово поле 14">
-            <a:extLst>
-              <a:ext uri="{FF2B5EF4-FFF2-40B4-BE49-F238E27FC236}">
-                <a16:creationId xmlns:a16="http://schemas.microsoft.com/office/drawing/2014/main" id="{DBACF96E-FDDE-4B3B-2003-F381600724CE}"/>
-              </a:ext>
-            </a:extLst>
-          </p:cNvPr>
-          <p:cNvSpPr txBox="1"/>
-          <p:nvPr/>
-        </p:nvSpPr>
-        <p:spPr>
-          <a:xfrm>
-            <a:off x="1024958" y="4290855"/>
-            <a:ext cx="2372190" cy="707886"/>
-          </a:xfrm>
-          <a:prstGeom prst="rect">
-            <a:avLst/>
-          </a:prstGeom>
-          <a:noFill/>
-        </p:spPr>
-        <p:txBody>
-          <a:bodyPr wrap="square" rtlCol="0">
-            <a:spAutoFit/>
-          </a:bodyPr>
-          <a:lstStyle/>
-          <a:p>
-            <a:pPr algn="ctr"/>
-            <a:r>
-              <a:rPr lang="en-US" sz="2000" dirty="0">
-                <a:ea typeface="Yu Gothic Light" panose="020B0300000000000000" pitchFamily="34" charset="-128"/>
-              </a:rPr>
-              <a:t>Ivan Tsvyatkov</a:t>
-            </a:r>
-          </a:p>
-          <a:p>
-            <a:pPr algn="ctr"/>
-            <a:r>
-              <a:rPr lang="en-US" sz="2000" dirty="0">
-                <a:ea typeface="Yu Gothic Light" panose="020B0300000000000000" pitchFamily="34" charset="-128"/>
-              </a:rPr>
-              <a:t>QA Developer</a:t>
-            </a:r>
-          </a:p>
-        </p:txBody>
-      </p:sp>
-      <p:sp>
-        <p:nvSpPr>
-          <p:cNvPr id="9" name="Текстово поле 15">
-            <a:extLst>
-              <a:ext uri="{FF2B5EF4-FFF2-40B4-BE49-F238E27FC236}">
-                <a16:creationId xmlns:a16="http://schemas.microsoft.com/office/drawing/2014/main" id="{BB7873CF-9148-AD28-5581-DC4640DEE648}"/>
-              </a:ext>
-            </a:extLst>
-          </p:cNvPr>
-          <p:cNvSpPr txBox="1"/>
-          <p:nvPr/>
-        </p:nvSpPr>
-        <p:spPr>
-          <a:xfrm>
-            <a:off x="8692274" y="4290855"/>
-            <a:ext cx="2588832" cy="707886"/>
-          </a:xfrm>
-          <a:prstGeom prst="rect">
-            <a:avLst/>
-          </a:prstGeom>
-          <a:noFill/>
-        </p:spPr>
-        <p:txBody>
-          <a:bodyPr wrap="square" rtlCol="0">
-            <a:spAutoFit/>
-          </a:bodyPr>
-          <a:lstStyle/>
-          <a:p>
-            <a:pPr algn="ctr"/>
-            <a:r>
-              <a:rPr lang="en-US" sz="2000" dirty="0">
-                <a:ea typeface="Yu Gothic Light" panose="020B0300000000000000" pitchFamily="34" charset="-128"/>
-              </a:rPr>
-              <a:t>Stiliyan Mishev</a:t>
-            </a:r>
-          </a:p>
-          <a:p>
-            <a:pPr algn="ctr"/>
-            <a:r>
-              <a:rPr lang="en-US" sz="2000" dirty="0">
-                <a:ea typeface="Yu Gothic Light" panose="020B0300000000000000" pitchFamily="34" charset="-128"/>
-              </a:rPr>
-              <a:t>Scrum Trainer</a:t>
-            </a:r>
-          </a:p>
-        </p:txBody>
-      </p:sp>
-      <p:sp>
-        <p:nvSpPr>
-          <p:cNvPr id="16" name="Текстово поле 15"/>
-          <p:cNvSpPr txBox="1"/>
-          <p:nvPr/>
-        </p:nvSpPr>
-        <p:spPr>
-          <a:xfrm>
-            <a:off x="3780692" y="4290855"/>
-            <a:ext cx="4528038" cy="707886"/>
-          </a:xfrm>
-          <a:prstGeom prst="rect">
-            <a:avLst/>
-          </a:prstGeom>
-          <a:noFill/>
-        </p:spPr>
-        <p:txBody>
-          <a:bodyPr wrap="square" rtlCol="0">
-            <a:spAutoFit/>
-          </a:bodyPr>
-          <a:lstStyle/>
-          <a:p>
-            <a:pPr algn="ctr"/>
-            <a:r>
-              <a:rPr lang="en-US" sz="2000" dirty="0"/>
-              <a:t>Dimitar Byandov</a:t>
-            </a:r>
-          </a:p>
-          <a:p>
-            <a:r>
-              <a:rPr lang="en-US" sz="2000" dirty="0"/>
-              <a:t>Frontend Developer &amp; Backend Developer</a:t>
-            </a:r>
-          </a:p>
-        </p:txBody>
-      </p:sp>
       <p:pic>
         <p:nvPicPr>
-          <p:cNvPr id="3" name="Картина 2"/>
+          <p:cNvPr id="8" name="Picture 7" descr="A picture containing logo&#10;&#10;Description automatically generated">
+            <a:extLst>
+              <a:ext uri="{FF2B5EF4-FFF2-40B4-BE49-F238E27FC236}">
+                <a16:creationId xmlns:a16="http://schemas.microsoft.com/office/drawing/2014/main" id="{35C23E07-0F57-1604-F24B-88105F7B0C1B}"/>
+              </a:ext>
+            </a:extLst>
+          </p:cNvPr>
           <p:cNvPicPr>
             <a:picLocks noChangeAspect="1"/>
           </p:cNvPicPr>
           <p:nvPr/>
         </p:nvPicPr>
         <p:blipFill>
-          <a:blip r:embed="rId3"/>
+          <a:blip r:embed="rId4">
+            <a:extLst>
+              <a:ext uri="{28A0092B-C50C-407E-A947-70E740481C1C}">
+                <a14:useLocalDpi xmlns:a14="http://schemas.microsoft.com/office/drawing/2010/main" val="0"/>
+              </a:ext>
+            </a:extLst>
+          </a:blip>
           <a:stretch>
             <a:fillRect/>
           </a:stretch>
         </p:blipFill>
         <p:spPr>
           <a:xfrm>
-            <a:off x="4756639" y="1674380"/>
-            <a:ext cx="2449128" cy="2309445"/>
+            <a:off x="8599002" y="2894590"/>
+            <a:ext cx="3146699" cy="2950030"/>
           </a:xfrm>
           <a:prstGeom prst="rect">
             <a:avLst/>
@@ -3650,22 +3561,533 @@
       </p:pic>
       <p:pic>
         <p:nvPicPr>
-          <p:cNvPr id="5" name="Картина 4"/>
+          <p:cNvPr id="11" name="Picture 10" descr="Text, logo&#10;&#10;Description automatically generated">
+            <a:extLst>
+              <a:ext uri="{FF2B5EF4-FFF2-40B4-BE49-F238E27FC236}">
+                <a16:creationId xmlns:a16="http://schemas.microsoft.com/office/drawing/2014/main" id="{43093A80-6507-9439-2239-191870B26156}"/>
+              </a:ext>
+            </a:extLst>
+          </p:cNvPr>
           <p:cNvPicPr>
             <a:picLocks noChangeAspect="1"/>
           </p:cNvPicPr>
           <p:nvPr/>
         </p:nvPicPr>
         <p:blipFill>
-          <a:blip r:embed="rId4"/>
+          <a:blip r:embed="rId5">
+            <a:extLst>
+              <a:ext uri="{28A0092B-C50C-407E-A947-70E740481C1C}">
+                <a14:useLocalDpi xmlns:a14="http://schemas.microsoft.com/office/drawing/2010/main" val="0"/>
+              </a:ext>
+            </a:extLst>
+          </a:blip>
           <a:stretch>
             <a:fillRect/>
           </a:stretch>
         </p:blipFill>
         <p:spPr>
           <a:xfrm>
-            <a:off x="957850" y="1674379"/>
-            <a:ext cx="2506407" cy="2309446"/>
+            <a:off x="4633460" y="2894590"/>
+            <a:ext cx="3146699" cy="2950030"/>
+          </a:xfrm>
+          <a:prstGeom prst="rect">
+            <a:avLst/>
+          </a:prstGeom>
+        </p:spPr>
+      </p:pic>
+    </p:spTree>
+    <p:extLst>
+      <p:ext uri="{BB962C8B-B14F-4D97-AF65-F5344CB8AC3E}">
+        <p14:creationId xmlns:p14="http://schemas.microsoft.com/office/powerpoint/2010/main" val="1667510701"/>
+      </p:ext>
+    </p:extLst>
+  </p:cSld>
+  <p:clrMapOvr>
+    <a:masterClrMapping/>
+  </p:clrMapOvr>
+</p:sld>
+</file>
+
+<file path=ppt/slides/slide3.xml><?xml version="1.0" encoding="utf-8"?>
+<p:sld xmlns:a="http://schemas.openxmlformats.org/drawingml/2006/main" xmlns:r="http://schemas.openxmlformats.org/officeDocument/2006/relationships" xmlns:p="http://schemas.openxmlformats.org/presentationml/2006/main">
+  <p:cSld>
+    <p:bg>
+      <p:bgPr>
+        <a:blipFill dpi="0" rotWithShape="1">
+          <a:blip r:embed="rId2">
+            <a:lum/>
+          </a:blip>
+          <a:srcRect/>
+          <a:stretch>
+            <a:fillRect/>
+          </a:stretch>
+        </a:blipFill>
+        <a:effectLst/>
+      </p:bgPr>
+    </p:bg>
+    <p:spTree>
+      <p:nvGrpSpPr>
+        <p:cNvPr id="1" name=""/>
+        <p:cNvGrpSpPr/>
+        <p:nvPr/>
+      </p:nvGrpSpPr>
+      <p:grpSpPr>
+        <a:xfrm>
+          <a:off x="0" y="0"/>
+          <a:ext cx="0" cy="0"/>
+          <a:chOff x="0" y="0"/>
+          <a:chExt cx="0" cy="0"/>
+        </a:xfrm>
+      </p:grpSpPr>
+      <p:sp>
+        <p:nvSpPr>
+          <p:cNvPr id="10" name="Rectangle: Rounded Corners 9">
+            <a:extLst>
+              <a:ext uri="{FF2B5EF4-FFF2-40B4-BE49-F238E27FC236}">
+                <a16:creationId xmlns:a16="http://schemas.microsoft.com/office/drawing/2014/main" id="{4CDFC842-78C8-9071-5B93-F70CAC5A0F0B}"/>
+              </a:ext>
+            </a:extLst>
+          </p:cNvPr>
+          <p:cNvSpPr/>
+          <p:nvPr/>
+        </p:nvSpPr>
+        <p:spPr>
+          <a:xfrm>
+            <a:off x="619720" y="5117626"/>
+            <a:ext cx="3171181" cy="1154127"/>
+          </a:xfrm>
+          <a:prstGeom prst="roundRect">
+            <a:avLst/>
+          </a:prstGeom>
+          <a:solidFill>
+            <a:srgbClr val="800000"/>
+          </a:solidFill>
+          <a:ln>
+            <a:noFill/>
+          </a:ln>
+        </p:spPr>
+        <p:style>
+          <a:lnRef idx="2">
+            <a:schemeClr val="accent1">
+              <a:shade val="50000"/>
+            </a:schemeClr>
+          </a:lnRef>
+          <a:fillRef idx="1">
+            <a:schemeClr val="accent1"/>
+          </a:fillRef>
+          <a:effectRef idx="0">
+            <a:schemeClr val="accent1"/>
+          </a:effectRef>
+          <a:fontRef idx="minor">
+            <a:schemeClr val="lt1"/>
+          </a:fontRef>
+        </p:style>
+        <p:txBody>
+          <a:bodyPr rtlCol="0" anchor="ctr"/>
+          <a:lstStyle/>
+          <a:p>
+            <a:pPr algn="ctr"/>
+            <a:endParaRPr lang="en-GB" dirty="0"/>
+          </a:p>
+        </p:txBody>
+      </p:sp>
+      <p:sp>
+        <p:nvSpPr>
+          <p:cNvPr id="7" name="Rectangle: Rounded Corners 6">
+            <a:extLst>
+              <a:ext uri="{FF2B5EF4-FFF2-40B4-BE49-F238E27FC236}">
+                <a16:creationId xmlns:a16="http://schemas.microsoft.com/office/drawing/2014/main" id="{112F4885-9263-DBC5-52A7-0014CEC6A129}"/>
+              </a:ext>
+            </a:extLst>
+          </p:cNvPr>
+          <p:cNvSpPr/>
+          <p:nvPr/>
+        </p:nvSpPr>
+        <p:spPr>
+          <a:xfrm>
+            <a:off x="8401099" y="5127282"/>
+            <a:ext cx="3171181" cy="1154127"/>
+          </a:xfrm>
+          <a:prstGeom prst="roundRect">
+            <a:avLst/>
+          </a:prstGeom>
+          <a:solidFill>
+            <a:schemeClr val="accent6">
+              <a:lumMod val="75000"/>
+            </a:schemeClr>
+          </a:solidFill>
+        </p:spPr>
+        <p:style>
+          <a:lnRef idx="2">
+            <a:schemeClr val="accent1">
+              <a:shade val="50000"/>
+            </a:schemeClr>
+          </a:lnRef>
+          <a:fillRef idx="1">
+            <a:schemeClr val="accent1"/>
+          </a:fillRef>
+          <a:effectRef idx="0">
+            <a:schemeClr val="accent1"/>
+          </a:effectRef>
+          <a:fontRef idx="minor">
+            <a:schemeClr val="lt1"/>
+          </a:fontRef>
+        </p:style>
+        <p:txBody>
+          <a:bodyPr rtlCol="0" anchor="ctr"/>
+          <a:lstStyle/>
+          <a:p>
+            <a:pPr algn="ctr"/>
+            <a:endParaRPr lang="en-GB" dirty="0">
+              <a:solidFill>
+                <a:schemeClr val="bg1"/>
+              </a:solidFill>
+            </a:endParaRPr>
+          </a:p>
+        </p:txBody>
+      </p:sp>
+      <p:sp>
+        <p:nvSpPr>
+          <p:cNvPr id="2" name="Title 1">
+            <a:extLst>
+              <a:ext uri="{FF2B5EF4-FFF2-40B4-BE49-F238E27FC236}">
+                <a16:creationId xmlns:a16="http://schemas.microsoft.com/office/drawing/2014/main" id="{6C28586A-885E-4CAA-18D3-4C106CB2E35A}"/>
+              </a:ext>
+            </a:extLst>
+          </p:cNvPr>
+          <p:cNvSpPr>
+            <a:spLocks noGrp="1"/>
+          </p:cNvSpPr>
+          <p:nvPr>
+            <p:ph type="title"/>
+          </p:nvPr>
+        </p:nvSpPr>
+        <p:spPr>
+          <a:xfrm>
+            <a:off x="0" y="146585"/>
+            <a:ext cx="12192000" cy="1325563"/>
+          </a:xfrm>
+        </p:spPr>
+        <p:txBody>
+          <a:bodyPr/>
+          <a:lstStyle/>
+          <a:p>
+            <a:pPr algn="ctr"/>
+            <a:r>
+              <a:rPr lang="en-US" dirty="0">
+                <a:latin typeface="Aharoni" panose="02010803020104030203" pitchFamily="2" charset="-79"/>
+                <a:ea typeface="Yu Gothic Light" panose="020B0300000000000000" pitchFamily="34" charset="-128"/>
+                <a:cs typeface="Aharoni" panose="02010803020104030203" pitchFamily="2" charset="-79"/>
+              </a:rPr>
+              <a:t>Our Team</a:t>
+            </a:r>
+            <a:endParaRPr lang="bg-BG" dirty="0">
+              <a:latin typeface="Sylfaen" panose="010A0502050306030303" pitchFamily="18" charset="0"/>
+              <a:ea typeface="Yu Gothic Light" panose="020B0300000000000000" pitchFamily="34" charset="-128"/>
+              <a:cs typeface="Aharoni" panose="02010803020104030203" pitchFamily="2" charset="-79"/>
+            </a:endParaRPr>
+          </a:p>
+        </p:txBody>
+      </p:sp>
+      <p:sp>
+        <p:nvSpPr>
+          <p:cNvPr id="8" name="Текстово поле 14">
+            <a:extLst>
+              <a:ext uri="{FF2B5EF4-FFF2-40B4-BE49-F238E27FC236}">
+                <a16:creationId xmlns:a16="http://schemas.microsoft.com/office/drawing/2014/main" id="{DBACF96E-FDDE-4B3B-2003-F381600724CE}"/>
+              </a:ext>
+            </a:extLst>
+          </p:cNvPr>
+          <p:cNvSpPr txBox="1"/>
+          <p:nvPr/>
+        </p:nvSpPr>
+        <p:spPr>
+          <a:xfrm>
+            <a:off x="1019215" y="5340747"/>
+            <a:ext cx="2372190" cy="707886"/>
+          </a:xfrm>
+          <a:prstGeom prst="rect">
+            <a:avLst/>
+          </a:prstGeom>
+          <a:noFill/>
+        </p:spPr>
+        <p:txBody>
+          <a:bodyPr wrap="square" rtlCol="0">
+            <a:spAutoFit/>
+          </a:bodyPr>
+          <a:lstStyle/>
+          <a:p>
+            <a:pPr algn="ctr"/>
+            <a:r>
+              <a:rPr lang="en-US" sz="2000" dirty="0">
+                <a:solidFill>
+                  <a:schemeClr val="bg1"/>
+                </a:solidFill>
+                <a:ea typeface="Yu Gothic Light" panose="020B0300000000000000" pitchFamily="34" charset="-128"/>
+              </a:rPr>
+              <a:t>Ivan Tsvyatkov</a:t>
+            </a:r>
+          </a:p>
+          <a:p>
+            <a:pPr algn="ctr"/>
+            <a:r>
+              <a:rPr lang="en-US" sz="2000" dirty="0">
+                <a:solidFill>
+                  <a:schemeClr val="bg1"/>
+                </a:solidFill>
+                <a:ea typeface="Yu Gothic Light" panose="020B0300000000000000" pitchFamily="34" charset="-128"/>
+              </a:rPr>
+              <a:t>QA Developer</a:t>
+            </a:r>
+          </a:p>
+        </p:txBody>
+      </p:sp>
+      <p:sp>
+        <p:nvSpPr>
+          <p:cNvPr id="9" name="Текстово поле 15">
+            <a:extLst>
+              <a:ext uri="{FF2B5EF4-FFF2-40B4-BE49-F238E27FC236}">
+                <a16:creationId xmlns:a16="http://schemas.microsoft.com/office/drawing/2014/main" id="{BB7873CF-9148-AD28-5581-DC4640DEE648}"/>
+              </a:ext>
+            </a:extLst>
+          </p:cNvPr>
+          <p:cNvSpPr txBox="1"/>
+          <p:nvPr/>
+        </p:nvSpPr>
+        <p:spPr>
+          <a:xfrm>
+            <a:off x="8692273" y="5373611"/>
+            <a:ext cx="2588832" cy="707886"/>
+          </a:xfrm>
+          <a:prstGeom prst="rect">
+            <a:avLst/>
+          </a:prstGeom>
+          <a:noFill/>
+        </p:spPr>
+        <p:txBody>
+          <a:bodyPr wrap="square" rtlCol="0">
+            <a:spAutoFit/>
+          </a:bodyPr>
+          <a:lstStyle/>
+          <a:p>
+            <a:pPr algn="ctr"/>
+            <a:r>
+              <a:rPr lang="en-US" sz="2000" dirty="0">
+                <a:solidFill>
+                  <a:schemeClr val="bg1"/>
+                </a:solidFill>
+                <a:ea typeface="Yu Gothic Light" panose="020B0300000000000000" pitchFamily="34" charset="-128"/>
+              </a:rPr>
+              <a:t>Stiliyan Mishev</a:t>
+            </a:r>
+          </a:p>
+          <a:p>
+            <a:pPr algn="ctr"/>
+            <a:r>
+              <a:rPr lang="en-US" sz="2000" dirty="0">
+                <a:solidFill>
+                  <a:schemeClr val="bg1"/>
+                </a:solidFill>
+                <a:ea typeface="Yu Gothic Light" panose="020B0300000000000000" pitchFamily="34" charset="-128"/>
+              </a:rPr>
+              <a:t>Scrum Trainer</a:t>
+            </a:r>
+          </a:p>
+        </p:txBody>
+      </p:sp>
+      <p:sp>
+        <p:nvSpPr>
+          <p:cNvPr id="6" name="Rectangle: Rounded Corners 5">
+            <a:extLst>
+              <a:ext uri="{FF2B5EF4-FFF2-40B4-BE49-F238E27FC236}">
+                <a16:creationId xmlns:a16="http://schemas.microsoft.com/office/drawing/2014/main" id="{CD879820-9C33-D16B-7FE0-617C2A157286}"/>
+              </a:ext>
+            </a:extLst>
+          </p:cNvPr>
+          <p:cNvSpPr/>
+          <p:nvPr/>
+        </p:nvSpPr>
+        <p:spPr>
+          <a:xfrm>
+            <a:off x="4510409" y="5117626"/>
+            <a:ext cx="3171181" cy="1154127"/>
+          </a:xfrm>
+          <a:prstGeom prst="roundRect">
+            <a:avLst/>
+          </a:prstGeom>
+        </p:spPr>
+        <p:style>
+          <a:lnRef idx="2">
+            <a:schemeClr val="accent1">
+              <a:shade val="50000"/>
+            </a:schemeClr>
+          </a:lnRef>
+          <a:fillRef idx="1">
+            <a:schemeClr val="accent1"/>
+          </a:fillRef>
+          <a:effectRef idx="0">
+            <a:schemeClr val="accent1"/>
+          </a:effectRef>
+          <a:fontRef idx="minor">
+            <a:schemeClr val="lt1"/>
+          </a:fontRef>
+        </p:style>
+        <p:txBody>
+          <a:bodyPr rtlCol="0" anchor="ctr"/>
+          <a:lstStyle/>
+          <a:p>
+            <a:pPr algn="ctr"/>
+            <a:endParaRPr lang="en-GB"/>
+          </a:p>
+        </p:txBody>
+      </p:sp>
+      <p:sp>
+        <p:nvSpPr>
+          <p:cNvPr id="16" name="Текстово поле 15"/>
+          <p:cNvSpPr txBox="1"/>
+          <p:nvPr/>
+        </p:nvSpPr>
+        <p:spPr>
+          <a:xfrm>
+            <a:off x="4595535" y="5210066"/>
+            <a:ext cx="3056267" cy="1015663"/>
+          </a:xfrm>
+          <a:prstGeom prst="rect">
+            <a:avLst/>
+          </a:prstGeom>
+          <a:noFill/>
+        </p:spPr>
+        <p:txBody>
+          <a:bodyPr wrap="square" rtlCol="0">
+            <a:spAutoFit/>
+          </a:bodyPr>
+          <a:lstStyle/>
+          <a:p>
+            <a:pPr algn="ctr"/>
+            <a:r>
+              <a:rPr lang="en-US" sz="2000" dirty="0">
+                <a:solidFill>
+                  <a:schemeClr val="bg1"/>
+                </a:solidFill>
+              </a:rPr>
+              <a:t>Dimitar Byandov</a:t>
+            </a:r>
+          </a:p>
+          <a:p>
+            <a:pPr algn="ctr"/>
+            <a:r>
+              <a:rPr lang="en-US" sz="2000" dirty="0">
+                <a:solidFill>
+                  <a:schemeClr val="bg1"/>
+                </a:solidFill>
+              </a:rPr>
+              <a:t>Frontend Developer &amp; Backend Developer</a:t>
+            </a:r>
+          </a:p>
+        </p:txBody>
+      </p:sp>
+      <p:pic>
+        <p:nvPicPr>
+          <p:cNvPr id="12" name="Picture 11" descr="A person in a blue shirt&#10;&#10;Description automatically generated with medium confidence">
+            <a:extLst>
+              <a:ext uri="{FF2B5EF4-FFF2-40B4-BE49-F238E27FC236}">
+                <a16:creationId xmlns:a16="http://schemas.microsoft.com/office/drawing/2014/main" id="{AABA09FD-3808-AA57-4F76-05426A925FC3}"/>
+              </a:ext>
+            </a:extLst>
+          </p:cNvPr>
+          <p:cNvPicPr>
+            <a:picLocks noChangeAspect="1"/>
+          </p:cNvPicPr>
+          <p:nvPr/>
+        </p:nvPicPr>
+        <p:blipFill>
+          <a:blip r:embed="rId3">
+            <a:extLst>
+              <a:ext uri="{28A0092B-C50C-407E-A947-70E740481C1C}">
+                <a14:useLocalDpi xmlns:a14="http://schemas.microsoft.com/office/drawing/2010/main" val="0"/>
+              </a:ext>
+            </a:extLst>
+          </a:blip>
+          <a:stretch>
+            <a:fillRect/>
+          </a:stretch>
+        </p:blipFill>
+        <p:spPr>
+          <a:xfrm>
+            <a:off x="4736739" y="1587616"/>
+            <a:ext cx="2718522" cy="3483790"/>
+          </a:xfrm>
+          <a:prstGeom prst="rect">
+            <a:avLst/>
+          </a:prstGeom>
+        </p:spPr>
+      </p:pic>
+      <p:pic>
+        <p:nvPicPr>
+          <p:cNvPr id="14" name="Picture 13" descr="A child in a blue shirt&#10;&#10;Description automatically generated with medium confidence">
+            <a:extLst>
+              <a:ext uri="{FF2B5EF4-FFF2-40B4-BE49-F238E27FC236}">
+                <a16:creationId xmlns:a16="http://schemas.microsoft.com/office/drawing/2014/main" id="{B4AD80E0-0DA6-C8F6-08E0-4FC70BAA997C}"/>
+              </a:ext>
+            </a:extLst>
+          </p:cNvPr>
+          <p:cNvPicPr>
+            <a:picLocks noChangeAspect="1"/>
+          </p:cNvPicPr>
+          <p:nvPr/>
+        </p:nvPicPr>
+        <p:blipFill>
+          <a:blip r:embed="rId4">
+            <a:extLst>
+              <a:ext uri="{28A0092B-C50C-407E-A947-70E740481C1C}">
+                <a14:useLocalDpi xmlns:a14="http://schemas.microsoft.com/office/drawing/2010/main" val="0"/>
+              </a:ext>
+            </a:extLst>
+          </a:blip>
+          <a:stretch>
+            <a:fillRect/>
+          </a:stretch>
+        </p:blipFill>
+        <p:spPr>
+          <a:xfrm>
+            <a:off x="846049" y="1587616"/>
+            <a:ext cx="2718522" cy="3491078"/>
+          </a:xfrm>
+          <a:prstGeom prst="rect">
+            <a:avLst/>
+          </a:prstGeom>
+        </p:spPr>
+      </p:pic>
+      <p:pic>
+        <p:nvPicPr>
+          <p:cNvPr id="17" name="Picture 16" descr="A person in a blue shirt&#10;&#10;Description automatically generated with medium confidence">
+            <a:extLst>
+              <a:ext uri="{FF2B5EF4-FFF2-40B4-BE49-F238E27FC236}">
+                <a16:creationId xmlns:a16="http://schemas.microsoft.com/office/drawing/2014/main" id="{13FB3481-3FC5-58D9-F209-A877B49761D5}"/>
+              </a:ext>
+            </a:extLst>
+          </p:cNvPr>
+          <p:cNvPicPr>
+            <a:picLocks noChangeAspect="1"/>
+          </p:cNvPicPr>
+          <p:nvPr/>
+        </p:nvPicPr>
+        <p:blipFill>
+          <a:blip r:embed="rId5">
+            <a:extLst>
+              <a:ext uri="{28A0092B-C50C-407E-A947-70E740481C1C}">
+                <a14:useLocalDpi xmlns:a14="http://schemas.microsoft.com/office/drawing/2010/main" val="0"/>
+              </a:ext>
+            </a:extLst>
+          </a:blip>
+          <a:stretch>
+            <a:fillRect/>
+          </a:stretch>
+        </p:blipFill>
+        <p:spPr>
+          <a:xfrm>
+            <a:off x="8627429" y="1552991"/>
+            <a:ext cx="2718523" cy="3483791"/>
           </a:xfrm>
           <a:prstGeom prst="rect">
             <a:avLst/>
@@ -3685,9 +4107,23 @@
 </p:sld>
 </file>
 
-<file path=ppt/slides/slide3.xml><?xml version="1.0" encoding="utf-8"?>
+<file path=ppt/slides/slide4.xml><?xml version="1.0" encoding="utf-8"?>
 <p:sld xmlns:a="http://schemas.openxmlformats.org/drawingml/2006/main" xmlns:r="http://schemas.openxmlformats.org/officeDocument/2006/relationships" xmlns:p="http://schemas.openxmlformats.org/presentationml/2006/main">
   <p:cSld>
+    <p:bg>
+      <p:bgPr>
+        <a:blipFill dpi="0" rotWithShape="1">
+          <a:blip r:embed="rId2">
+            <a:lum/>
+          </a:blip>
+          <a:srcRect/>
+          <a:stretch>
+            <a:fillRect/>
+          </a:stretch>
+        </a:blipFill>
+        <a:effectLst/>
+      </p:bgPr>
+    </p:bg>
     <p:spTree>
       <p:nvGrpSpPr>
         <p:cNvPr id="1" name=""/>
@@ -3704,10 +4140,10 @@
       </p:grpSpPr>
       <p:sp>
         <p:nvSpPr>
-          <p:cNvPr id="2" name="Title 1">
-            <a:extLst>
-              <a:ext uri="{FF2B5EF4-FFF2-40B4-BE49-F238E27FC236}">
-                <a16:creationId xmlns:a16="http://schemas.microsoft.com/office/drawing/2014/main" id="{D414953B-5C49-468A-CBCB-337DD649E4D8}"/>
+          <p:cNvPr id="4" name="Title 3">
+            <a:extLst>
+              <a:ext uri="{FF2B5EF4-FFF2-40B4-BE49-F238E27FC236}">
+                <a16:creationId xmlns:a16="http://schemas.microsoft.com/office/drawing/2014/main" id="{C7D201A2-1AB4-6B5E-3093-69A6D23EBF58}"/>
               </a:ext>
             </a:extLst>
           </p:cNvPr>
@@ -3718,56 +4154,164 @@
             <p:ph type="title"/>
           </p:nvPr>
         </p:nvSpPr>
-        <p:spPr>
-          <a:xfrm>
-            <a:off x="962758" y="391502"/>
-            <a:ext cx="10515600" cy="1325563"/>
-          </a:xfrm>
-        </p:spPr>
-        <p:txBody>
-          <a:bodyPr>
-            <a:normAutofit/>
-          </a:bodyPr>
+        <p:spPr/>
+        <p:txBody>
+          <a:bodyPr/>
           <a:lstStyle/>
           <a:p>
             <a:pPr algn="ctr"/>
             <a:r>
-              <a:rPr lang="en-US" sz="6600" dirty="0">
-                <a:latin typeface="Sylfaen" panose="010A0502050306030303" pitchFamily="18" charset="0"/>
-                <a:ea typeface="Yu Gothic Light" panose="020B0300000000000000" pitchFamily="34" charset="-128"/>
+              <a:rPr lang="en-US" dirty="0">
+                <a:latin typeface="Aharoni" panose="02010803020104030203" pitchFamily="2" charset="-79"/>
+                <a:cs typeface="Aharoni" panose="02010803020104030203" pitchFamily="2" charset="-79"/>
               </a:rPr>
-              <a:t>Idea</a:t>
-            </a:r>
-            <a:endParaRPr lang="bg-BG" sz="6600" dirty="0">
-              <a:latin typeface="Sylfaen" panose="010A0502050306030303" pitchFamily="18" charset="0"/>
-              <a:ea typeface="Yu Gothic Light" panose="020B0300000000000000" pitchFamily="34" charset="-128"/>
+              <a:t>Stages</a:t>
+            </a:r>
+            <a:endParaRPr lang="en-GB" dirty="0">
+              <a:latin typeface="Aharoni" panose="02010803020104030203" pitchFamily="2" charset="-79"/>
+              <a:cs typeface="Aharoni" panose="02010803020104030203" pitchFamily="2" charset="-79"/>
             </a:endParaRPr>
           </a:p>
         </p:txBody>
       </p:sp>
       <p:pic>
         <p:nvPicPr>
-          <p:cNvPr id="5" name="Картина 4"/>
+          <p:cNvPr id="3" name="Picture 2" descr="A screenshot of a video game&#10;&#10;Description automatically generated with medium confidence">
+            <a:extLst>
+              <a:ext uri="{FF2B5EF4-FFF2-40B4-BE49-F238E27FC236}">
+                <a16:creationId xmlns:a16="http://schemas.microsoft.com/office/drawing/2014/main" id="{F75A3A7C-AAFB-49DC-4A60-5850E4B2C15A}"/>
+              </a:ext>
+            </a:extLst>
+          </p:cNvPr>
           <p:cNvPicPr>
             <a:picLocks noChangeAspect="1"/>
           </p:cNvPicPr>
           <p:nvPr/>
         </p:nvPicPr>
-        <p:blipFill rotWithShape="1">
-          <a:blip r:embed="rId2">
+        <p:blipFill>
+          <a:blip r:embed="rId3">
             <a:extLst>
               <a:ext uri="{28A0092B-C50C-407E-A947-70E740481C1C}">
                 <a14:useLocalDpi xmlns:a14="http://schemas.microsoft.com/office/drawing/2010/main" val="0"/>
               </a:ext>
             </a:extLst>
           </a:blip>
-          <a:srcRect b="19338"/>
-          <a:stretch/>
+          <a:stretch>
+            <a:fillRect/>
+          </a:stretch>
         </p:blipFill>
         <p:spPr>
           <a:xfrm>
-            <a:off x="3323493" y="1380394"/>
-            <a:ext cx="5794130" cy="4343398"/>
+            <a:off x="588401" y="2814589"/>
+            <a:ext cx="2208032" cy="3181968"/>
+          </a:xfrm>
+          <a:prstGeom prst="rect">
+            <a:avLst/>
+          </a:prstGeom>
+        </p:spPr>
+      </p:pic>
+      <p:pic>
+        <p:nvPicPr>
+          <p:cNvPr id="6" name="Picture 5" descr="Icon&#10;&#10;Description automatically generated">
+            <a:extLst>
+              <a:ext uri="{FF2B5EF4-FFF2-40B4-BE49-F238E27FC236}">
+                <a16:creationId xmlns:a16="http://schemas.microsoft.com/office/drawing/2014/main" id="{CDCA5F46-67BA-BAD5-3328-B2FEB9E90A68}"/>
+              </a:ext>
+            </a:extLst>
+          </p:cNvPr>
+          <p:cNvPicPr>
+            <a:picLocks noChangeAspect="1"/>
+          </p:cNvPicPr>
+          <p:nvPr/>
+        </p:nvPicPr>
+        <p:blipFill>
+          <a:blip r:embed="rId4">
+            <a:extLst>
+              <a:ext uri="{28A0092B-C50C-407E-A947-70E740481C1C}">
+                <a14:useLocalDpi xmlns:a14="http://schemas.microsoft.com/office/drawing/2010/main" val="0"/>
+              </a:ext>
+            </a:extLst>
+          </a:blip>
+          <a:stretch>
+            <a:fillRect/>
+          </a:stretch>
+        </p:blipFill>
+        <p:spPr>
+          <a:xfrm>
+            <a:off x="3188790" y="1563498"/>
+            <a:ext cx="2182025" cy="3144490"/>
+          </a:xfrm>
+          <a:prstGeom prst="rect">
+            <a:avLst/>
+          </a:prstGeom>
+        </p:spPr>
+      </p:pic>
+      <p:pic>
+        <p:nvPicPr>
+          <p:cNvPr id="10" name="Picture 9" descr="A screenshot of a computer&#10;&#10;Description automatically generated with low confidence">
+            <a:extLst>
+              <a:ext uri="{FF2B5EF4-FFF2-40B4-BE49-F238E27FC236}">
+                <a16:creationId xmlns:a16="http://schemas.microsoft.com/office/drawing/2014/main" id="{39578F36-61CC-BB54-8893-533EAF0ACD7C}"/>
+              </a:ext>
+            </a:extLst>
+          </p:cNvPr>
+          <p:cNvPicPr>
+            <a:picLocks noChangeAspect="1"/>
+          </p:cNvPicPr>
+          <p:nvPr/>
+        </p:nvPicPr>
+        <p:blipFill>
+          <a:blip r:embed="rId5">
+            <a:extLst>
+              <a:ext uri="{28A0092B-C50C-407E-A947-70E740481C1C}">
+                <a14:useLocalDpi xmlns:a14="http://schemas.microsoft.com/office/drawing/2010/main" val="0"/>
+              </a:ext>
+            </a:extLst>
+          </a:blip>
+          <a:stretch>
+            <a:fillRect/>
+          </a:stretch>
+        </p:blipFill>
+        <p:spPr>
+          <a:xfrm>
+            <a:off x="5979277" y="2515652"/>
+            <a:ext cx="2415471" cy="3480905"/>
+          </a:xfrm>
+          <a:prstGeom prst="rect">
+            <a:avLst/>
+          </a:prstGeom>
+        </p:spPr>
+      </p:pic>
+      <p:pic>
+        <p:nvPicPr>
+          <p:cNvPr id="14" name="Picture 13" descr="A screenshot of a video game&#10;&#10;Description automatically generated with medium confidence">
+            <a:extLst>
+              <a:ext uri="{FF2B5EF4-FFF2-40B4-BE49-F238E27FC236}">
+                <a16:creationId xmlns:a16="http://schemas.microsoft.com/office/drawing/2014/main" id="{74C00B03-D059-55D7-EDDF-D4E20D6E338D}"/>
+              </a:ext>
+            </a:extLst>
+          </p:cNvPr>
+          <p:cNvPicPr>
+            <a:picLocks noChangeAspect="1"/>
+          </p:cNvPicPr>
+          <p:nvPr/>
+        </p:nvPicPr>
+        <p:blipFill>
+          <a:blip r:embed="rId6">
+            <a:extLst>
+              <a:ext uri="{28A0092B-C50C-407E-A947-70E740481C1C}">
+                <a14:useLocalDpi xmlns:a14="http://schemas.microsoft.com/office/drawing/2010/main" val="0"/>
+              </a:ext>
+            </a:extLst>
+          </a:blip>
+          <a:stretch>
+            <a:fillRect/>
+          </a:stretch>
+        </p:blipFill>
+        <p:spPr>
+          <a:xfrm>
+            <a:off x="9003211" y="1436308"/>
+            <a:ext cx="2182025" cy="3144490"/>
           </a:xfrm>
           <a:prstGeom prst="rect">
             <a:avLst/>
@@ -3787,9 +4331,23 @@
 </p:sld>
 </file>
 
-<file path=ppt/slides/slide4.xml><?xml version="1.0" encoding="utf-8"?>
+<file path=ppt/slides/slide5.xml><?xml version="1.0" encoding="utf-8"?>
 <p:sld xmlns:a="http://schemas.openxmlformats.org/drawingml/2006/main" xmlns:r="http://schemas.openxmlformats.org/officeDocument/2006/relationships" xmlns:p="http://schemas.openxmlformats.org/presentationml/2006/main">
   <p:cSld>
+    <p:bg>
+      <p:bgPr>
+        <a:blipFill dpi="0" rotWithShape="1">
+          <a:blip r:embed="rId2">
+            <a:lum/>
+          </a:blip>
+          <a:srcRect/>
+          <a:stretch>
+            <a:fillRect/>
+          </a:stretch>
+        </a:blipFill>
+        <a:effectLst/>
+      </p:bgPr>
+    </p:bg>
     <p:spTree>
       <p:nvGrpSpPr>
         <p:cNvPr id="1" name=""/>
@@ -3804,36 +4362,12 @@
           <a:chExt cx="0" cy="0"/>
         </a:xfrm>
       </p:grpSpPr>
-      <p:pic>
-        <p:nvPicPr>
-          <p:cNvPr id="4" name="Картина 3"/>
-          <p:cNvPicPr>
-            <a:picLocks noChangeAspect="1"/>
-          </p:cNvPicPr>
-          <p:nvPr/>
-        </p:nvPicPr>
-        <p:blipFill>
-          <a:blip r:embed="rId2"/>
-          <a:stretch>
-            <a:fillRect/>
-          </a:stretch>
-        </p:blipFill>
-        <p:spPr>
-          <a:xfrm>
-            <a:off x="1" y="-1"/>
-            <a:ext cx="13036060" cy="6858001"/>
-          </a:xfrm>
-          <a:prstGeom prst="rect">
-            <a:avLst/>
-          </a:prstGeom>
-        </p:spPr>
-      </p:pic>
       <p:sp>
         <p:nvSpPr>
           <p:cNvPr id="2" name="Title 1">
             <a:extLst>
               <a:ext uri="{FF2B5EF4-FFF2-40B4-BE49-F238E27FC236}">
-                <a16:creationId xmlns:a16="http://schemas.microsoft.com/office/drawing/2014/main" id="{8F8C0CBD-DE9C-AE69-58EE-8FC9848CCCC6}"/>
+                <a16:creationId xmlns:a16="http://schemas.microsoft.com/office/drawing/2014/main" id="{B0D86B9A-8597-BB0B-A7AE-88A4344E052C}"/>
               </a:ext>
             </a:extLst>
           </p:cNvPr>
@@ -3844,173 +4378,24 @@
             <p:ph type="title"/>
           </p:nvPr>
         </p:nvSpPr>
-        <p:spPr>
-          <a:xfrm>
-            <a:off x="1213339" y="773725"/>
-            <a:ext cx="2567354" cy="1523634"/>
-          </a:xfrm>
-        </p:spPr>
-        <p:txBody>
-          <a:bodyPr>
-            <a:normAutofit/>
-          </a:bodyPr>
-          <a:lstStyle/>
-          <a:p>
-            <a:r>
-              <a:rPr lang="en-US" sz="6600" dirty="0">
-                <a:latin typeface="Sylfaen" panose="010A0502050306030303" pitchFamily="18" charset="0"/>
+        <p:spPr/>
+        <p:txBody>
+          <a:bodyPr/>
+          <a:lstStyle/>
+          <a:p>
+            <a:pPr algn="ctr"/>
+            <a:r>
+              <a:rPr lang="en-US" dirty="0">
+                <a:latin typeface="Aharoni" panose="02010803020104030203" pitchFamily="2" charset="-79"/>
                 <a:ea typeface="Yu Gothic Light" panose="020B0300000000000000" pitchFamily="34" charset="-128"/>
+                <a:cs typeface="Aharoni" panose="02010803020104030203" pitchFamily="2" charset="-79"/>
               </a:rPr>
-              <a:t>Stages</a:t>
-            </a:r>
-            <a:endParaRPr lang="bg-BG" sz="6600" dirty="0">
-              <a:latin typeface="Sylfaen" panose="010A0502050306030303" pitchFamily="18" charset="0"/>
-              <a:ea typeface="Yu Gothic Light" panose="020B0300000000000000" pitchFamily="34" charset="-128"/>
-            </a:endParaRPr>
-          </a:p>
-        </p:txBody>
-      </p:sp>
-      <p:sp>
-        <p:nvSpPr>
-          <p:cNvPr id="3" name="Content Placeholder 2">
-            <a:extLst>
-              <a:ext uri="{FF2B5EF4-FFF2-40B4-BE49-F238E27FC236}">
-                <a16:creationId xmlns:a16="http://schemas.microsoft.com/office/drawing/2014/main" id="{10D2056F-FA46-F6FE-0067-12E13683E36D}"/>
-              </a:ext>
-            </a:extLst>
-          </p:cNvPr>
-          <p:cNvSpPr>
-            <a:spLocks noGrp="1"/>
-          </p:cNvSpPr>
-          <p:nvPr>
-            <p:ph idx="1"/>
-          </p:nvPr>
-        </p:nvSpPr>
-        <p:spPr>
-          <a:xfrm>
-            <a:off x="9283211" y="861647"/>
-            <a:ext cx="3892238" cy="2162908"/>
-          </a:xfrm>
-        </p:spPr>
-        <p:txBody>
-          <a:bodyPr/>
-          <a:lstStyle/>
-          <a:p>
-            <a:pPr marL="0" indent="0">
-              <a:buNone/>
-            </a:pPr>
-            <a:r>
-              <a:rPr lang="en-US" dirty="0">
-                <a:latin typeface="Yu Gothic Light" panose="020B0300000000000000" pitchFamily="34" charset="-128"/>
-                <a:ea typeface="Yu Gothic Light" panose="020B0300000000000000" pitchFamily="34" charset="-128"/>
-              </a:rPr>
-              <a:t>1. Discussing the idea</a:t>
-            </a:r>
-          </a:p>
-          <a:p>
-            <a:pPr marL="0" indent="0">
-              <a:buNone/>
-            </a:pPr>
-            <a:r>
-              <a:rPr lang="en-US" dirty="0">
-                <a:latin typeface="Yu Gothic Light" panose="020B0300000000000000" pitchFamily="34" charset="-128"/>
-                <a:ea typeface="Yu Gothic Light" panose="020B0300000000000000" pitchFamily="34" charset="-128"/>
-              </a:rPr>
-              <a:t>2. Coding</a:t>
-            </a:r>
-          </a:p>
-          <a:p>
-            <a:pPr marL="0" indent="0">
-              <a:buNone/>
-            </a:pPr>
-            <a:r>
-              <a:rPr lang="en-US" dirty="0">
-                <a:latin typeface="Yu Gothic Light" panose="020B0300000000000000" pitchFamily="34" charset="-128"/>
-                <a:ea typeface="Yu Gothic Light" panose="020B0300000000000000" pitchFamily="34" charset="-128"/>
-              </a:rPr>
-              <a:t>3. Debugging </a:t>
-            </a:r>
-          </a:p>
-          <a:p>
-            <a:pPr marL="0" indent="0">
-              <a:buNone/>
-            </a:pPr>
-            <a:r>
-              <a:rPr lang="en-US" dirty="0">
-                <a:latin typeface="Yu Gothic Light" panose="020B0300000000000000" pitchFamily="34" charset="-128"/>
-                <a:ea typeface="Yu Gothic Light" panose="020B0300000000000000" pitchFamily="34" charset="-128"/>
-              </a:rPr>
-              <a:t>4. Present the project</a:t>
-            </a:r>
-            <a:endParaRPr lang="bg-BG" dirty="0">
-              <a:latin typeface="Yu Gothic Light" panose="020B0300000000000000" pitchFamily="34" charset="-128"/>
-              <a:ea typeface="Yu Gothic Light" panose="020B0300000000000000" pitchFamily="34" charset="-128"/>
-            </a:endParaRPr>
-          </a:p>
-        </p:txBody>
-      </p:sp>
-    </p:spTree>
-    <p:extLst>
-      <p:ext uri="{BB962C8B-B14F-4D97-AF65-F5344CB8AC3E}">
-        <p14:creationId xmlns:p14="http://schemas.microsoft.com/office/powerpoint/2010/main" val="2988203781"/>
-      </p:ext>
-    </p:extLst>
-  </p:cSld>
-  <p:clrMapOvr>
-    <a:masterClrMapping/>
-  </p:clrMapOvr>
-</p:sld>
-</file>
-
-<file path=ppt/slides/slide5.xml><?xml version="1.0" encoding="utf-8"?>
-<p:sld xmlns:a="http://schemas.openxmlformats.org/drawingml/2006/main" xmlns:r="http://schemas.openxmlformats.org/officeDocument/2006/relationships" xmlns:p="http://schemas.openxmlformats.org/presentationml/2006/main">
-  <p:cSld>
-    <p:spTree>
-      <p:nvGrpSpPr>
-        <p:cNvPr id="1" name=""/>
-        <p:cNvGrpSpPr/>
-        <p:nvPr/>
-      </p:nvGrpSpPr>
-      <p:grpSpPr>
-        <a:xfrm>
-          <a:off x="0" y="0"/>
-          <a:ext cx="0" cy="0"/>
-          <a:chOff x="0" y="0"/>
-          <a:chExt cx="0" cy="0"/>
-        </a:xfrm>
-      </p:grpSpPr>
-      <p:sp>
-        <p:nvSpPr>
-          <p:cNvPr id="2" name="Title 1">
-            <a:extLst>
-              <a:ext uri="{FF2B5EF4-FFF2-40B4-BE49-F238E27FC236}">
-                <a16:creationId xmlns:a16="http://schemas.microsoft.com/office/drawing/2014/main" id="{B0D86B9A-8597-BB0B-A7AE-88A4344E052C}"/>
-              </a:ext>
-            </a:extLst>
-          </p:cNvPr>
-          <p:cNvSpPr>
-            <a:spLocks noGrp="1"/>
-          </p:cNvSpPr>
-          <p:nvPr>
-            <p:ph type="title"/>
-          </p:nvPr>
-        </p:nvSpPr>
-        <p:spPr/>
-        <p:txBody>
-          <a:bodyPr/>
-          <a:lstStyle/>
-          <a:p>
-            <a:pPr algn="ctr"/>
-            <a:r>
-              <a:rPr lang="en-US" dirty="0">
-                <a:latin typeface="Sylfaen" panose="010A0502050306030303" pitchFamily="18" charset="0"/>
-                <a:ea typeface="Yu Gothic Light" panose="020B0300000000000000" pitchFamily="34" charset="-128"/>
-              </a:rPr>
-              <a:t>Used programs</a:t>
+              <a:t>Used Programs</a:t>
             </a:r>
             <a:endParaRPr lang="bg-BG" dirty="0">
               <a:latin typeface="Sylfaen" panose="010A0502050306030303" pitchFamily="18" charset="0"/>
               <a:ea typeface="Yu Gothic Light" panose="020B0300000000000000" pitchFamily="34" charset="-128"/>
+              <a:cs typeface="Aharoni" panose="02010803020104030203" pitchFamily="2" charset="-79"/>
             </a:endParaRPr>
           </a:p>
         </p:txBody>
@@ -4030,33 +4415,6 @@
           <p:nvPr>
             <p:ph idx="1"/>
           </p:nvPr>
-        </p:nvPicPr>
-        <p:blipFill>
-          <a:blip r:embed="rId2"/>
-          <a:stretch>
-            <a:fillRect/>
-          </a:stretch>
-        </p:blipFill>
-        <p:spPr>
-          <a:xfrm>
-            <a:off x="742591" y="1690686"/>
-            <a:ext cx="2063165" cy="2063165"/>
-          </a:xfrm>
-        </p:spPr>
-      </p:pic>
-      <p:pic>
-        <p:nvPicPr>
-          <p:cNvPr id="7" name="Picture 6">
-            <a:extLst>
-              <a:ext uri="{FF2B5EF4-FFF2-40B4-BE49-F238E27FC236}">
-                <a16:creationId xmlns:a16="http://schemas.microsoft.com/office/drawing/2014/main" id="{10C08C4E-1265-8B5C-AEBE-E286F3497C9A}"/>
-              </a:ext>
-            </a:extLst>
-          </p:cNvPr>
-          <p:cNvPicPr>
-            <a:picLocks noChangeAspect="1"/>
-          </p:cNvPicPr>
-          <p:nvPr/>
         </p:nvPicPr>
         <p:blipFill>
           <a:blip r:embed="rId3"/>
@@ -4066,20 +4424,17 @@
         </p:blipFill>
         <p:spPr>
           <a:xfrm>
-            <a:off x="3496329" y="1690686"/>
+            <a:off x="742591" y="1690686"/>
             <a:ext cx="2063165" cy="2063165"/>
           </a:xfrm>
-          <a:prstGeom prst="rect">
-            <a:avLst/>
-          </a:prstGeom>
         </p:spPr>
       </p:pic>
       <p:pic>
         <p:nvPicPr>
-          <p:cNvPr id="9" name="Picture 8">
-            <a:extLst>
-              <a:ext uri="{FF2B5EF4-FFF2-40B4-BE49-F238E27FC236}">
-                <a16:creationId xmlns:a16="http://schemas.microsoft.com/office/drawing/2014/main" id="{218CC61D-650F-906B-997B-CD12B4824F5F}"/>
+          <p:cNvPr id="7" name="Picture 6">
+            <a:extLst>
+              <a:ext uri="{FF2B5EF4-FFF2-40B4-BE49-F238E27FC236}">
+                <a16:creationId xmlns:a16="http://schemas.microsoft.com/office/drawing/2014/main" id="{10C08C4E-1265-8B5C-AEBE-E286F3497C9A}"/>
               </a:ext>
             </a:extLst>
           </p:cNvPr>
@@ -4096,7 +4451,7 @@
         </p:blipFill>
         <p:spPr>
           <a:xfrm>
-            <a:off x="6250067" y="1690685"/>
+            <a:off x="3496329" y="1690686"/>
             <a:ext cx="2063165" cy="2063165"/>
           </a:xfrm>
           <a:prstGeom prst="rect">
@@ -4106,10 +4461,10 @@
       </p:pic>
       <p:pic>
         <p:nvPicPr>
-          <p:cNvPr id="11" name="Picture 10">
-            <a:extLst>
-              <a:ext uri="{FF2B5EF4-FFF2-40B4-BE49-F238E27FC236}">
-                <a16:creationId xmlns:a16="http://schemas.microsoft.com/office/drawing/2014/main" id="{7AF6FD15-DB45-520E-7AE0-494D0CE9F187}"/>
+          <p:cNvPr id="9" name="Picture 8">
+            <a:extLst>
+              <a:ext uri="{FF2B5EF4-FFF2-40B4-BE49-F238E27FC236}">
+                <a16:creationId xmlns:a16="http://schemas.microsoft.com/office/drawing/2014/main" id="{218CC61D-650F-906B-997B-CD12B4824F5F}"/>
               </a:ext>
             </a:extLst>
           </p:cNvPr>
@@ -4126,7 +4481,7 @@
         </p:blipFill>
         <p:spPr>
           <a:xfrm>
-            <a:off x="9003805" y="1690684"/>
+            <a:off x="6250067" y="1690685"/>
             <a:ext cx="2063165" cy="2063165"/>
           </a:xfrm>
           <a:prstGeom prst="rect">
@@ -4136,10 +4491,10 @@
       </p:pic>
       <p:pic>
         <p:nvPicPr>
-          <p:cNvPr id="13" name="Picture 12">
-            <a:extLst>
-              <a:ext uri="{FF2B5EF4-FFF2-40B4-BE49-F238E27FC236}">
-                <a16:creationId xmlns:a16="http://schemas.microsoft.com/office/drawing/2014/main" id="{318FB293-9F5F-8D60-8EBF-258EF8CE8A34}"/>
+          <p:cNvPr id="11" name="Picture 10">
+            <a:extLst>
+              <a:ext uri="{FF2B5EF4-FFF2-40B4-BE49-F238E27FC236}">
+                <a16:creationId xmlns:a16="http://schemas.microsoft.com/office/drawing/2014/main" id="{7AF6FD15-DB45-520E-7AE0-494D0CE9F187}"/>
               </a:ext>
             </a:extLst>
           </p:cNvPr>
@@ -4156,7 +4511,7 @@
         </p:blipFill>
         <p:spPr>
           <a:xfrm>
-            <a:off x="742591" y="4258446"/>
+            <a:off x="9003805" y="1690684"/>
             <a:ext cx="2063165" cy="2063165"/>
           </a:xfrm>
           <a:prstGeom prst="rect">
@@ -4166,10 +4521,10 @@
       </p:pic>
       <p:pic>
         <p:nvPicPr>
-          <p:cNvPr id="15" name="Picture 14">
-            <a:extLst>
-              <a:ext uri="{FF2B5EF4-FFF2-40B4-BE49-F238E27FC236}">
-                <a16:creationId xmlns:a16="http://schemas.microsoft.com/office/drawing/2014/main" id="{0A01502F-3CC1-F58E-6CA3-885A95691519}"/>
+          <p:cNvPr id="13" name="Picture 12">
+            <a:extLst>
+              <a:ext uri="{FF2B5EF4-FFF2-40B4-BE49-F238E27FC236}">
+                <a16:creationId xmlns:a16="http://schemas.microsoft.com/office/drawing/2014/main" id="{318FB293-9F5F-8D60-8EBF-258EF8CE8A34}"/>
               </a:ext>
             </a:extLst>
           </p:cNvPr>
@@ -4186,7 +4541,7 @@
         </p:blipFill>
         <p:spPr>
           <a:xfrm>
-            <a:off x="3496329" y="4258446"/>
+            <a:off x="742591" y="4258446"/>
             <a:ext cx="2063165" cy="2063165"/>
           </a:xfrm>
           <a:prstGeom prst="rect">
@@ -4196,62 +4551,96 @@
       </p:pic>
       <p:pic>
         <p:nvPicPr>
-          <p:cNvPr id="17" name="Picture 16">
-            <a:extLst>
-              <a:ext uri="{FF2B5EF4-FFF2-40B4-BE49-F238E27FC236}">
-                <a16:creationId xmlns:a16="http://schemas.microsoft.com/office/drawing/2014/main" id="{5BB1D109-7E6A-60A2-8BF6-FDF79061D096}"/>
+          <p:cNvPr id="1026" name="Picture 2" descr="Adobe Creative Cloud - Wikipedia">
+            <a:extLst>
+              <a:ext uri="{FF2B5EF4-FFF2-40B4-BE49-F238E27FC236}">
+                <a16:creationId xmlns:a16="http://schemas.microsoft.com/office/drawing/2014/main" id="{6574A274-CC48-2876-8EB6-74FBD6F3C746}"/>
               </a:ext>
             </a:extLst>
           </p:cNvPr>
           <p:cNvPicPr>
-            <a:picLocks noChangeAspect="1"/>
+            <a:picLocks noChangeAspect="1" noChangeArrowheads="1"/>
           </p:cNvPicPr>
           <p:nvPr/>
         </p:nvPicPr>
         <p:blipFill>
-          <a:blip r:embed="rId8"/>
+          <a:blip r:embed="rId8">
+            <a:extLst>
+              <a:ext uri="{28A0092B-C50C-407E-A947-70E740481C1C}">
+                <a14:useLocalDpi xmlns:a14="http://schemas.microsoft.com/office/drawing/2010/main" val="0"/>
+              </a:ext>
+            </a:extLst>
+          </a:blip>
+          <a:srcRect/>
           <a:stretch>
             <a:fillRect/>
           </a:stretch>
         </p:blipFill>
-        <p:spPr>
-          <a:xfrm>
-            <a:off x="6250067" y="4258443"/>
-            <a:ext cx="2063165" cy="2063165"/>
+        <p:spPr bwMode="auto">
+          <a:xfrm>
+            <a:off x="3496329" y="4403060"/>
+            <a:ext cx="1962318" cy="1913161"/>
           </a:xfrm>
           <a:prstGeom prst="rect">
             <a:avLst/>
           </a:prstGeom>
+          <a:noFill/>
+          <a:extLst>
+            <a:ext uri="{909E8E84-426E-40DD-AFC4-6F175D3DCCD1}">
+              <a14:hiddenFill xmlns:a14="http://schemas.microsoft.com/office/drawing/2010/main">
+                <a:solidFill>
+                  <a:srgbClr val="FFFFFF"/>
+                </a:solidFill>
+              </a14:hiddenFill>
+            </a:ext>
+          </a:extLst>
         </p:spPr>
       </p:pic>
       <p:pic>
         <p:nvPicPr>
-          <p:cNvPr id="8" name="Picture 7">
-            <a:extLst>
-              <a:ext uri="{FF2B5EF4-FFF2-40B4-BE49-F238E27FC236}">
-                <a16:creationId xmlns:a16="http://schemas.microsoft.com/office/drawing/2014/main" id="{5734DF3A-3864-0E69-2C01-0A7999605ADF}"/>
+          <p:cNvPr id="1030" name="Picture 6">
+            <a:extLst>
+              <a:ext uri="{FF2B5EF4-FFF2-40B4-BE49-F238E27FC236}">
+                <a16:creationId xmlns:a16="http://schemas.microsoft.com/office/drawing/2014/main" id="{92DACA87-37B9-18A8-6565-FD1538252C2D}"/>
               </a:ext>
             </a:extLst>
           </p:cNvPr>
           <p:cNvPicPr>
-            <a:picLocks noChangeAspect="1"/>
+            <a:picLocks noChangeAspect="1" noChangeArrowheads="1"/>
           </p:cNvPicPr>
           <p:nvPr/>
         </p:nvPicPr>
         <p:blipFill>
-          <a:blip r:embed="rId9"/>
+          <a:blip r:embed="rId9">
+            <a:extLst>
+              <a:ext uri="{28A0092B-C50C-407E-A947-70E740481C1C}">
+                <a14:useLocalDpi xmlns:a14="http://schemas.microsoft.com/office/drawing/2010/main" val="0"/>
+              </a:ext>
+            </a:extLst>
+          </a:blip>
+          <a:srcRect/>
           <a:stretch>
             <a:fillRect/>
           </a:stretch>
         </p:blipFill>
-        <p:spPr>
-          <a:xfrm>
-            <a:off x="8627832" y="3879236"/>
-            <a:ext cx="2821577" cy="2821577"/>
+        <p:spPr bwMode="auto">
+          <a:xfrm>
+            <a:off x="6624578" y="4377220"/>
+            <a:ext cx="1296261" cy="1944391"/>
           </a:xfrm>
           <a:prstGeom prst="rect">
             <a:avLst/>
           </a:prstGeom>
+          <a:noFill/>
+          <a:extLst>
+            <a:ext uri="{909E8E84-426E-40DD-AFC4-6F175D3DCCD1}">
+              <a14:hiddenFill xmlns:a14="http://schemas.microsoft.com/office/drawing/2010/main">
+                <a:solidFill>
+                  <a:srgbClr val="FFFFFF"/>
+                </a:solidFill>
+              </a14:hiddenFill>
+            </a:ext>
+          </a:extLst>
         </p:spPr>
       </p:pic>
     </p:spTree>
@@ -4270,6 +4659,20 @@
 <file path=ppt/slides/slide6.xml><?xml version="1.0" encoding="utf-8"?>
 <p:sld xmlns:a="http://schemas.openxmlformats.org/drawingml/2006/main" xmlns:r="http://schemas.openxmlformats.org/officeDocument/2006/relationships" xmlns:p="http://schemas.openxmlformats.org/presentationml/2006/main">
   <p:cSld>
+    <p:bg>
+      <p:bgPr>
+        <a:blipFill dpi="0" rotWithShape="1">
+          <a:blip r:embed="rId2">
+            <a:lum/>
+          </a:blip>
+          <a:srcRect/>
+          <a:stretch>
+            <a:fillRect/>
+          </a:stretch>
+        </a:blipFill>
+        <a:effectLst/>
+      </p:bgPr>
+    </p:bg>
     <p:spTree>
       <p:nvGrpSpPr>
         <p:cNvPr id="1" name=""/>
@@ -4300,7 +4703,12 @@
             <p:ph type="title"/>
           </p:nvPr>
         </p:nvSpPr>
-        <p:spPr/>
+        <p:spPr>
+          <a:xfrm>
+            <a:off x="487219" y="0"/>
+            <a:ext cx="6488616" cy="6858000"/>
+          </a:xfrm>
+        </p:spPr>
         <p:txBody>
           <a:bodyPr/>
           <a:lstStyle/>
@@ -4308,133 +4716,59 @@
             <a:pPr algn="ctr"/>
             <a:r>
               <a:rPr lang="en-US" dirty="0">
-                <a:latin typeface="Sylfaen" panose="010A0502050306030303" pitchFamily="18" charset="0"/>
+                <a:latin typeface="Aharoni" panose="02010803020104030203" pitchFamily="2" charset="-79"/>
                 <a:ea typeface="Yu Gothic Light" panose="020B0300000000000000" pitchFamily="34" charset="-128"/>
+                <a:cs typeface="Aharoni" panose="02010803020104030203" pitchFamily="2" charset="-79"/>
               </a:rPr>
-              <a:t>Let's jump to the game</a:t>
+              <a:t>Let's jump to the game </a:t>
+            </a:r>
+            <a:r>
+              <a:rPr lang="en-US" dirty="0">
+                <a:latin typeface="Aharoni" panose="02010803020104030203" pitchFamily="2" charset="-79"/>
+                <a:ea typeface="Yu Gothic Light" panose="020B0300000000000000" pitchFamily="34" charset="-128"/>
+                <a:cs typeface="Aharoni" panose="02010803020104030203" pitchFamily="2" charset="-79"/>
+                <a:sym typeface="Wingdings" panose="05000000000000000000" pitchFamily="2" charset="2"/>
+              </a:rPr>
+              <a:t></a:t>
             </a:r>
             <a:endParaRPr lang="bg-BG" dirty="0">
               <a:latin typeface="Sylfaen" panose="010A0502050306030303" pitchFamily="18" charset="0"/>
               <a:ea typeface="Yu Gothic Light" panose="020B0300000000000000" pitchFamily="34" charset="-128"/>
+              <a:cs typeface="Aharoni" panose="02010803020104030203" pitchFamily="2" charset="-79"/>
             </a:endParaRPr>
           </a:p>
         </p:txBody>
       </p:sp>
       <p:pic>
         <p:nvPicPr>
-          <p:cNvPr id="11" name="Content Placeholder 10">
-            <a:extLst>
-              <a:ext uri="{FF2B5EF4-FFF2-40B4-BE49-F238E27FC236}">
-                <a16:creationId xmlns:a16="http://schemas.microsoft.com/office/drawing/2014/main" id="{443ABDD9-BA3C-2CA5-3434-6BFBADDC5C82}"/>
-              </a:ext>
-            </a:extLst>
-          </p:cNvPr>
-          <p:cNvPicPr>
-            <a:picLocks noGrp="1" noChangeAspect="1"/>
-          </p:cNvPicPr>
-          <p:nvPr>
-            <p:ph idx="1"/>
-          </p:nvPr>
-        </p:nvPicPr>
-        <p:blipFill>
-          <a:blip r:embed="rId2"/>
-          <a:stretch>
-            <a:fillRect/>
-          </a:stretch>
-        </p:blipFill>
-        <p:spPr>
-          <a:xfrm>
-            <a:off x="3459254" y="1351879"/>
-            <a:ext cx="5273492" cy="4825084"/>
-          </a:xfrm>
-        </p:spPr>
-      </p:pic>
-    </p:spTree>
-    <p:extLst>
-      <p:ext uri="{BB962C8B-B14F-4D97-AF65-F5344CB8AC3E}">
-        <p14:creationId xmlns:p14="http://schemas.microsoft.com/office/powerpoint/2010/main" val="3215368929"/>
-      </p:ext>
-    </p:extLst>
-  </p:cSld>
-  <p:clrMapOvr>
-    <a:masterClrMapping/>
-  </p:clrMapOvr>
-</p:sld>
-</file>
-
-<file path=ppt/slides/slide7.xml><?xml version="1.0" encoding="utf-8"?>
-<p:sld xmlns:a="http://schemas.openxmlformats.org/drawingml/2006/main" xmlns:r="http://schemas.openxmlformats.org/officeDocument/2006/relationships" xmlns:p="http://schemas.openxmlformats.org/presentationml/2006/main">
-  <p:cSld>
-    <p:spTree>
-      <p:nvGrpSpPr>
-        <p:cNvPr id="1" name=""/>
-        <p:cNvGrpSpPr/>
-        <p:nvPr/>
-      </p:nvGrpSpPr>
-      <p:grpSpPr>
-        <a:xfrm>
-          <a:off x="0" y="0"/>
-          <a:ext cx="0" cy="0"/>
-          <a:chOff x="0" y="0"/>
-          <a:chExt cx="0" cy="0"/>
-        </a:xfrm>
-      </p:grpSpPr>
-      <p:sp>
-        <p:nvSpPr>
-          <p:cNvPr id="3" name="Заглавие 2"/>
-          <p:cNvSpPr>
-            <a:spLocks noGrp="1"/>
-          </p:cNvSpPr>
-          <p:nvPr>
-            <p:ph type="title"/>
-          </p:nvPr>
-        </p:nvSpPr>
-        <p:spPr/>
-        <p:txBody>
-          <a:bodyPr/>
-          <a:lstStyle/>
-          <a:p>
-            <a:endParaRPr lang="en-US"/>
-          </a:p>
-        </p:txBody>
-      </p:sp>
-      <p:sp>
-        <p:nvSpPr>
-          <p:cNvPr id="4" name="Контейнер за съдържание 3"/>
-          <p:cNvSpPr>
-            <a:spLocks noGrp="1"/>
-          </p:cNvSpPr>
-          <p:nvPr>
-            <p:ph idx="1"/>
-          </p:nvPr>
-        </p:nvSpPr>
-        <p:spPr/>
-        <p:txBody>
-          <a:bodyPr/>
-          <a:lstStyle/>
-          <a:p>
-            <a:endParaRPr lang="en-US"/>
-          </a:p>
-        </p:txBody>
-      </p:sp>
-      <p:pic>
-        <p:nvPicPr>
-          <p:cNvPr id="5" name="Картина 4"/>
+          <p:cNvPr id="6" name="Picture 5" descr="Icon&#10;&#10;Description automatically generated">
+            <a:extLst>
+              <a:ext uri="{FF2B5EF4-FFF2-40B4-BE49-F238E27FC236}">
+                <a16:creationId xmlns:a16="http://schemas.microsoft.com/office/drawing/2014/main" id="{78EE03A2-8DF8-65A7-499B-57D56BEF2EB9}"/>
+              </a:ext>
+            </a:extLst>
+          </p:cNvPr>
           <p:cNvPicPr>
             <a:picLocks noChangeAspect="1"/>
           </p:cNvPicPr>
           <p:nvPr/>
         </p:nvPicPr>
         <p:blipFill>
-          <a:blip r:embed="rId2"/>
+          <a:blip r:embed="rId3">
+            <a:extLst>
+              <a:ext uri="{28A0092B-C50C-407E-A947-70E740481C1C}">
+                <a14:useLocalDpi xmlns:a14="http://schemas.microsoft.com/office/drawing/2010/main" val="0"/>
+              </a:ext>
+            </a:extLst>
+          </a:blip>
           <a:stretch>
             <a:fillRect/>
           </a:stretch>
         </p:blipFill>
         <p:spPr>
           <a:xfrm>
-            <a:off x="0" y="0"/>
-            <a:ext cx="12192000" cy="6858000"/>
+            <a:off x="7139731" y="1551524"/>
+            <a:ext cx="4454085" cy="4176074"/>
           </a:xfrm>
           <a:prstGeom prst="rect">
             <a:avLst/>
@@ -4444,7 +4778,7 @@
     </p:spTree>
     <p:extLst>
       <p:ext uri="{BB962C8B-B14F-4D97-AF65-F5344CB8AC3E}">
-        <p14:creationId xmlns:p14="http://schemas.microsoft.com/office/powerpoint/2010/main" val="328760607"/>
+        <p14:creationId xmlns:p14="http://schemas.microsoft.com/office/powerpoint/2010/main" val="3215368929"/>
       </p:ext>
     </p:extLst>
   </p:cSld>
